--- a/text/preza.pptx
+++ b/text/preza.pptx
@@ -121,6 +121,7 @@
   <p1510:revLst>
     <p1510:client id="{34B2D716-6D9F-41D5-8068-31D842A28E16}" v="4" dt="2023-01-14T12:28:59.788"/>
     <p1510:client id="{6811AA68-634F-4096-8E69-ADA4237F5D96}" v="221" dt="2023-01-13T15:40:35.433"/>
+    <p1510:client id="{E8E3DDA1-1D70-4570-8039-BCD04A96B419}" v="48" dt="2023-01-17T17:23:23.405"/>
   </p1510:revLst>
 </p1510:revInfo>
 </file>
@@ -1791,7 +1792,7 @@
           <a:p>
             <a:fld id="{8F72BA41-EC5B-4197-BCC8-0FD2E523CD7A}" type="datetimeFigureOut">
               <a:rPr lang="en-US" smtClean="0"/>
-              <a:t>1/14/2023</a:t>
+              <a:t>1/17/2023</a:t>
             </a:fld>
             <a:endParaRPr lang="en-US"/>
           </a:p>
@@ -1994,7 +1995,7 @@
           <a:p>
             <a:fld id="{8F72BA41-EC5B-4197-BCC8-0FD2E523CD7A}" type="datetimeFigureOut">
               <a:rPr lang="en-US" smtClean="0"/>
-              <a:t>1/14/2023</a:t>
+              <a:t>1/17/2023</a:t>
             </a:fld>
             <a:endParaRPr lang="en-US"/>
           </a:p>
@@ -3715,7 +3716,7 @@
           <a:p>
             <a:fld id="{8F72BA41-EC5B-4197-BCC8-0FD2E523CD7A}" type="datetimeFigureOut">
               <a:rPr lang="en-US" smtClean="0"/>
-              <a:t>1/14/2023</a:t>
+              <a:t>1/17/2023</a:t>
             </a:fld>
             <a:endParaRPr lang="en-US"/>
           </a:p>
@@ -3914,7 +3915,7 @@
           <a:p>
             <a:fld id="{8F72BA41-EC5B-4197-BCC8-0FD2E523CD7A}" type="datetimeFigureOut">
               <a:rPr lang="en-US" smtClean="0"/>
-              <a:t>1/14/2023</a:t>
+              <a:t>1/17/2023</a:t>
             </a:fld>
             <a:endParaRPr lang="en-US"/>
           </a:p>
@@ -5704,7 +5705,7 @@
           <a:p>
             <a:fld id="{8F72BA41-EC5B-4197-BCC8-0FD2E523CD7A}" type="datetimeFigureOut">
               <a:rPr lang="en-US" smtClean="0"/>
-              <a:t>1/14/2023</a:t>
+              <a:t>1/17/2023</a:t>
             </a:fld>
             <a:endParaRPr lang="en-US"/>
           </a:p>
@@ -5977,7 +5978,7 @@
           <a:p>
             <a:fld id="{8F72BA41-EC5B-4197-BCC8-0FD2E523CD7A}" type="datetimeFigureOut">
               <a:rPr lang="en-US" smtClean="0"/>
-              <a:t>1/14/2023</a:t>
+              <a:t>1/17/2023</a:t>
             </a:fld>
             <a:endParaRPr lang="en-US"/>
           </a:p>
@@ -6397,7 +6398,7 @@
           <a:p>
             <a:fld id="{8F72BA41-EC5B-4197-BCC8-0FD2E523CD7A}" type="datetimeFigureOut">
               <a:rPr lang="en-US" smtClean="0"/>
-              <a:t>1/14/2023</a:t>
+              <a:t>1/17/2023</a:t>
             </a:fld>
             <a:endParaRPr lang="en-US"/>
           </a:p>
@@ -6553,7 +6554,7 @@
           <a:p>
             <a:fld id="{8F72BA41-EC5B-4197-BCC8-0FD2E523CD7A}" type="datetimeFigureOut">
               <a:rPr lang="en-US" smtClean="0"/>
-              <a:t>1/14/2023</a:t>
+              <a:t>1/17/2023</a:t>
             </a:fld>
             <a:endParaRPr lang="en-US"/>
           </a:p>
@@ -8121,7 +8122,7 @@
           <a:p>
             <a:fld id="{8F72BA41-EC5B-4197-BCC8-0FD2E523CD7A}" type="datetimeFigureOut">
               <a:rPr lang="en-US" smtClean="0"/>
-              <a:t>1/14/2023</a:t>
+              <a:t>1/17/2023</a:t>
             </a:fld>
             <a:endParaRPr lang="en-US"/>
           </a:p>
@@ -9972,7 +9973,7 @@
           <a:p>
             <a:fld id="{8F72BA41-EC5B-4197-BCC8-0FD2E523CD7A}" type="datetimeFigureOut">
               <a:rPr lang="en-US" smtClean="0"/>
-              <a:t>1/14/2023</a:t>
+              <a:t>1/17/2023</a:t>
             </a:fld>
             <a:endParaRPr lang="en-US"/>
           </a:p>
@@ -11785,7 +11786,7 @@
           <a:p>
             <a:fld id="{8F72BA41-EC5B-4197-BCC8-0FD2E523CD7A}" type="datetimeFigureOut">
               <a:rPr lang="en-US" smtClean="0"/>
-              <a:t>1/14/2023</a:t>
+              <a:t>1/17/2023</a:t>
             </a:fld>
             <a:endParaRPr lang="en-US"/>
           </a:p>
@@ -13479,7 +13480,7 @@
             <a:fld id="{8F72BA41-EC5B-4197-BCC8-0FD2E523CD7A}" type="datetimeFigureOut">
               <a:rPr lang="en-US" smtClean="0"/>
               <a:pPr/>
-              <a:t>1/14/2023</a:t>
+              <a:t>1/17/2023</a:t>
             </a:fld>
             <a:endParaRPr lang="en-US" dirty="0"/>
           </a:p>
@@ -16188,7 +16189,7 @@
                 <a:ea typeface="+mn-lt"/>
                 <a:cs typeface="+mn-lt"/>
               </a:rPr>
-              <a:t>Проект под названием "Спейс Шутер" представляет из себя игру в жанре шутер. Пользователь играет за космический корабль в космосе, который уничтожает летящие в него астероиды с помощью лазерной пушки. Цель игры - пройти все уровни, то есть сбить столько астероидов, сколько потребуется для прохождения определённого уровня. Всего будет 5 уровней, каждый со своей сложностью. Планируется сделать запись рекордов в виде времени прохождения уровня, а также процента частоты попадания в корабли. Данная игра будет отлично подходить для развлечения и отличного времяпровождения.</a:t>
+              <a:t>Проект под названием "Спейс Шутер" представляет из себя игру в жанре шутер. Пользователь играет за космический корабль в космосе, который уничтожает летящие в него астероиды с помощью лазерной пушки. Цель игры - пройти все уровни, то есть сбить столько астероидов, сколько потребуется для прохождения определённого уровня. Всего будет 5 уровней, каждый со своей сложностью. Данная игра будет отлично подходить для развлечения и отличного времяпровождения. </a:t>
             </a:r>
             <a:endParaRPr lang="ru-RU" dirty="0"/>
           </a:p>
@@ -18326,13 +18327,7 @@
             <a:endParaRPr lang="ru-RU" sz="1600" b="1" dirty="0"/>
           </a:p>
           <a:p>
-            <a:pPr marL="0" indent="0">
-              <a:lnSpc>
-                <a:spcPct val="100000"/>
-              </a:lnSpc>
-              <a:buClr>
-                <a:srgbClr val="7AAEB5"/>
-              </a:buClr>
+            <a:pPr>
               <a:buNone/>
             </a:pPr>
             <a:r>
@@ -18342,7 +18337,10 @@
               </a:rPr>
               <a:t>Окно, которое появляется при открытии игры. Включает в себя 4 вкладки: название игры, выбор никнейма, выбор уровня, запуск игры. Название игры — поле, имеющее красивое оформление с названием игры, поле с никнеймом - специальное поле, значение которого пользователь вводит с клавиатуры, запуск игры - кнопка, отвечающая за начало игры, выбор уровня - позволяет выбрать уровень.</a:t>
             </a:r>
-            <a:endParaRPr lang="ru-RU" sz="1600" dirty="0"/>
+            <a:endParaRPr lang="ru-RU" dirty="0">
+              <a:ea typeface="+mn-lt"/>
+              <a:cs typeface="+mn-lt"/>
+            </a:endParaRPr>
           </a:p>
           <a:p>
             <a:pPr>
@@ -18378,9 +18376,6 @@
               <a:lnSpc>
                 <a:spcPct val="100000"/>
               </a:lnSpc>
-              <a:buClr>
-                <a:srgbClr val="7AAEB5"/>
-              </a:buClr>
               <a:buNone/>
             </a:pPr>
             <a:r>
@@ -18388,9 +18383,12 @@
                 <a:ea typeface="+mn-lt"/>
                 <a:cs typeface="+mn-lt"/>
               </a:rPr>
-              <a:t>Всего будет 5 уровней, у каждого будут свои фичи в рамках игры . Также, для разблокировки следующего уровня нужно пройти предыдущий, начиная с 1 уровня. Каждый уровень будет различаться поведением ИИ в виде астероидов, количеством сбитых астероидов для прохода на следующий уровень, их здоровьем, количеством патрон выданных игроку.</a:t>
+              <a:t>Всего будет 5 уровней. Каждый уровень будет различаться поведением ИИ в виде астероидов, количеством сбитых астероидов для прохода на следующий уровень, их здоровьем, количеством патрон выданных игроку.</a:t>
             </a:r>
-            <a:endParaRPr lang="ru-RU" sz="1600"/>
+            <a:endParaRPr lang="ru-RU" dirty="0">
+              <a:ea typeface="+mn-lt"/>
+              <a:cs typeface="+mn-lt"/>
+            </a:endParaRPr>
           </a:p>
           <a:p>
             <a:pPr>
@@ -18417,18 +18415,15 @@
                 <a:ea typeface="+mn-lt"/>
                 <a:cs typeface="+mn-lt"/>
               </a:rPr>
-              <a:t>3. Запись рекордов и финальные окна</a:t>
+              <a:t>3. Финальные окно</a:t>
             </a:r>
-            <a:endParaRPr lang="ru-RU" sz="1600" b="1"/>
+            <a:endParaRPr lang="ru-RU" sz="1600" b="1" dirty="0"/>
           </a:p>
           <a:p>
             <a:pPr marL="0" indent="0">
               <a:lnSpc>
                 <a:spcPct val="100000"/>
               </a:lnSpc>
-              <a:buClr>
-                <a:srgbClr val="7AAEB5"/>
-              </a:buClr>
               <a:buNone/>
             </a:pPr>
             <a:r>
@@ -18436,9 +18431,12 @@
                 <a:ea typeface="+mn-lt"/>
                 <a:cs typeface="+mn-lt"/>
               </a:rPr>
-              <a:t>Запись рекордов будет ввестись в виде времени, за которое игрок прошёл уровень, процентом частоты попадания в астероиды, именем пользователя, которое указал пользователь на стартовом окне. Все данные будут храниться в БД, также для разных пользователей — будут разные рекорды. Финальное окно будет появляться либо при проигрыше, либо при завершении уровня. В первом случае будет появляться окно, предлагающее попробовать заново, либо выйти на стартовое окно, а во втором - писать время за которое пользователь прошёл уровень, при этом, если прохождение было выполнено не первый раз, то будет показан предыдущий рекорд.</a:t>
+              <a:t>Финальное окно будет появляться либо при проигрыше, либо при завершении уровня. В первом случае будет появляться окно, предлагающее попробовать заново, либо выйти на стартовое окно, также во втором.</a:t>
             </a:r>
-            <a:endParaRPr lang="ru-RU" sz="1600"/>
+            <a:endParaRPr lang="ru-RU" dirty="0">
+              <a:ea typeface="+mn-lt"/>
+              <a:cs typeface="+mn-lt"/>
+            </a:endParaRPr>
           </a:p>
         </p:txBody>
       </p:sp>
@@ -20408,7 +20406,7 @@
           </a:xfrm>
         </p:spPr>
         <p:txBody>
-          <a:bodyPr vert="horz" lIns="91440" tIns="45720" rIns="91440" bIns="45720" rtlCol="0">
+          <a:bodyPr vert="horz" lIns="91440" tIns="45720" rIns="91440" bIns="45720" rtlCol="0" anchor="t">
             <a:normAutofit/>
           </a:bodyPr>
           <a:lstStyle/>
@@ -20423,31 +20421,15 @@
             </a:r>
             <a:r>
               <a:rPr lang="ru-RU" dirty="0"/>
-              <a:t> - основная библиотека для игры, </a:t>
+              <a:t> - основная библиотека для игры,  </a:t>
             </a:r>
             <a:r>
               <a:rPr lang="ru-RU" dirty="0" err="1"/>
-              <a:t>SQLite</a:t>
+              <a:t>json</a:t>
             </a:r>
             <a:r>
               <a:rPr lang="ru-RU" dirty="0"/>
-              <a:t> и </a:t>
-            </a:r>
-            <a:r>
-              <a:rPr lang="ru-RU" dirty="0" err="1"/>
-              <a:t>SQLiteStudio</a:t>
-            </a:r>
-            <a:r>
-              <a:rPr lang="ru-RU" dirty="0"/>
-              <a:t> - для реализации БД, также библиотека </a:t>
-            </a:r>
-            <a:r>
-              <a:rPr lang="ru-RU" dirty="0" err="1"/>
-              <a:t>sqlite</a:t>
-            </a:r>
-            <a:r>
-              <a:rPr lang="ru-RU" dirty="0"/>
-              <a:t>, </a:t>
+              <a:t> - для хранения данных , </a:t>
             </a:r>
             <a:r>
               <a:rPr lang="ru-RU" dirty="0" err="1"/>
